--- a/Monograph/識別できない故障リンクの例.pptx
+++ b/Monograph/識別できない故障リンクの例.pptx
@@ -104,6 +104,11 @@
       </a:defRPr>
     </a:lvl9pPr>
   </p:defaultTextStyle>
+  <p:extLst>
+    <p:ext uri="{EFAFB233-063F-42B5-8137-9DF3F51BA10A}">
+      <p15:sldGuideLst xmlns:p15="http://schemas.microsoft.com/office/powerpoint/2012/main"/>
+    </p:ext>
+  </p:extLst>
 </p:presentation>
 </file>
 
@@ -238,7 +243,7 @@
           <a:p>
             <a:fld id="{938DE665-B746-6048-8ED3-9A599DC2F1B1}" type="datetimeFigureOut">
               <a:rPr kumimoji="1" lang="ja-JP" altLang="en-US" smtClean="0"/>
-              <a:t>2016/1/24</a:t>
+              <a:t>2016/2/9</a:t>
             </a:fld>
             <a:endParaRPr kumimoji="1" lang="ja-JP" altLang="en-US"/>
           </a:p>
@@ -440,7 +445,7 @@
           <a:p>
             <a:fld id="{938DE665-B746-6048-8ED3-9A599DC2F1B1}" type="datetimeFigureOut">
               <a:rPr kumimoji="1" lang="ja-JP" altLang="en-US" smtClean="0"/>
-              <a:t>2016/1/24</a:t>
+              <a:t>2016/2/9</a:t>
             </a:fld>
             <a:endParaRPr kumimoji="1" lang="ja-JP" altLang="en-US"/>
           </a:p>
@@ -652,7 +657,7 @@
           <a:p>
             <a:fld id="{938DE665-B746-6048-8ED3-9A599DC2F1B1}" type="datetimeFigureOut">
               <a:rPr kumimoji="1" lang="ja-JP" altLang="en-US" smtClean="0"/>
-              <a:t>2016/1/24</a:t>
+              <a:t>2016/2/9</a:t>
             </a:fld>
             <a:endParaRPr kumimoji="1" lang="ja-JP" altLang="en-US"/>
           </a:p>
@@ -854,7 +859,7 @@
           <a:p>
             <a:fld id="{938DE665-B746-6048-8ED3-9A599DC2F1B1}" type="datetimeFigureOut">
               <a:rPr kumimoji="1" lang="ja-JP" altLang="en-US" smtClean="0"/>
-              <a:t>2016/1/24</a:t>
+              <a:t>2016/2/9</a:t>
             </a:fld>
             <a:endParaRPr kumimoji="1" lang="ja-JP" altLang="en-US"/>
           </a:p>
@@ -1100,7 +1105,7 @@
           <a:p>
             <a:fld id="{938DE665-B746-6048-8ED3-9A599DC2F1B1}" type="datetimeFigureOut">
               <a:rPr kumimoji="1" lang="ja-JP" altLang="en-US" smtClean="0"/>
-              <a:t>2016/1/24</a:t>
+              <a:t>2016/2/9</a:t>
             </a:fld>
             <a:endParaRPr kumimoji="1" lang="ja-JP" altLang="en-US"/>
           </a:p>
@@ -1396,7 +1401,7 @@
           <a:p>
             <a:fld id="{938DE665-B746-6048-8ED3-9A599DC2F1B1}" type="datetimeFigureOut">
               <a:rPr kumimoji="1" lang="ja-JP" altLang="en-US" smtClean="0"/>
-              <a:t>2016/1/24</a:t>
+              <a:t>2016/2/9</a:t>
             </a:fld>
             <a:endParaRPr kumimoji="1" lang="ja-JP" altLang="en-US"/>
           </a:p>
@@ -1827,7 +1832,7 @@
           <a:p>
             <a:fld id="{938DE665-B746-6048-8ED3-9A599DC2F1B1}" type="datetimeFigureOut">
               <a:rPr kumimoji="1" lang="ja-JP" altLang="en-US" smtClean="0"/>
-              <a:t>2016/1/24</a:t>
+              <a:t>2016/2/9</a:t>
             </a:fld>
             <a:endParaRPr kumimoji="1" lang="ja-JP" altLang="en-US"/>
           </a:p>
@@ -1945,7 +1950,7 @@
           <a:p>
             <a:fld id="{938DE665-B746-6048-8ED3-9A599DC2F1B1}" type="datetimeFigureOut">
               <a:rPr kumimoji="1" lang="ja-JP" altLang="en-US" smtClean="0"/>
-              <a:t>2016/1/24</a:t>
+              <a:t>2016/2/9</a:t>
             </a:fld>
             <a:endParaRPr kumimoji="1" lang="ja-JP" altLang="en-US"/>
           </a:p>
@@ -2040,7 +2045,7 @@
           <a:p>
             <a:fld id="{938DE665-B746-6048-8ED3-9A599DC2F1B1}" type="datetimeFigureOut">
               <a:rPr kumimoji="1" lang="ja-JP" altLang="en-US" smtClean="0"/>
-              <a:t>2016/1/24</a:t>
+              <a:t>2016/2/9</a:t>
             </a:fld>
             <a:endParaRPr kumimoji="1" lang="ja-JP" altLang="en-US"/>
           </a:p>
@@ -2349,7 +2354,7 @@
           <a:p>
             <a:fld id="{938DE665-B746-6048-8ED3-9A599DC2F1B1}" type="datetimeFigureOut">
               <a:rPr kumimoji="1" lang="ja-JP" altLang="en-US" smtClean="0"/>
-              <a:t>2016/1/24</a:t>
+              <a:t>2016/2/9</a:t>
             </a:fld>
             <a:endParaRPr kumimoji="1" lang="ja-JP" altLang="en-US"/>
           </a:p>
@@ -2602,7 +2607,7 @@
           <a:p>
             <a:fld id="{938DE665-B746-6048-8ED3-9A599DC2F1B1}" type="datetimeFigureOut">
               <a:rPr kumimoji="1" lang="ja-JP" altLang="en-US" smtClean="0"/>
-              <a:t>2016/1/24</a:t>
+              <a:t>2016/2/9</a:t>
             </a:fld>
             <a:endParaRPr kumimoji="1" lang="ja-JP" altLang="en-US"/>
           </a:p>
@@ -2847,7 +2852,7 @@
           <a:p>
             <a:fld id="{938DE665-B746-6048-8ED3-9A599DC2F1B1}" type="datetimeFigureOut">
               <a:rPr kumimoji="1" lang="ja-JP" altLang="en-US" smtClean="0"/>
-              <a:t>2016/1/24</a:t>
+              <a:t>2016/2/9</a:t>
             </a:fld>
             <a:endParaRPr kumimoji="1" lang="ja-JP" altLang="en-US"/>
           </a:p>
@@ -3676,7 +3681,7 @@
         </p:nvSpPr>
         <p:spPr>
           <a:xfrm>
-            <a:off x="3135946" y="1763167"/>
+            <a:off x="3135946" y="1720131"/>
             <a:ext cx="827314" cy="369332"/>
           </a:xfrm>
           <a:prstGeom prst="rect">
@@ -3691,7 +3696,7 @@
           <a:lstStyle/>
           <a:p>
             <a:r>
-              <a:rPr lang="en-US" altLang="ja-JP" i="1"/>
+              <a:rPr lang="en-US" altLang="ja-JP" i="1" smtClean="0"/>
               <a:t>e</a:t>
             </a:r>
             <a:endParaRPr kumimoji="1" lang="ja-JP" altLang="en-US" i="1" dirty="0"/>
@@ -4086,7 +4091,7 @@
         </p:nvSpPr>
         <p:spPr>
           <a:xfrm>
-            <a:off x="7368811" y="3534838"/>
+            <a:off x="7381673" y="3467827"/>
             <a:ext cx="827314" cy="369332"/>
           </a:xfrm>
           <a:prstGeom prst="rect">
